--- a/QUIZ.pptx
+++ b/QUIZ.pptx
@@ -72,7 +72,7 @@
       <p:boldItalic r:id="rId58"/>
     </p:embeddedFont>
     <p:embeddedFont>
-      <p:font typeface="Montserrat" panose="00000500000000000000" pitchFamily="2" charset="0"/>
+      <p:font typeface="Montserrat" pitchFamily="2" charset="0"/>
       <p:regular r:id="rId59"/>
       <p:bold r:id="rId60"/>
       <p:italic r:id="rId61"/>
@@ -319,6 +319,35 @@
     </p:ext>
   </p:extLst>
 </p:presentation>
+</file>
+
+<file path=ppt/changesInfos/changesInfo1.xml><?xml version="1.0" encoding="utf-8"?>
+<pc:chgInfo xmlns:a="http://schemas.openxmlformats.org/drawingml/2006/main" xmlns:r="http://schemas.openxmlformats.org/officeDocument/2006/relationships" xmlns:ac="http://schemas.microsoft.com/office/drawing/2013/main/command" xmlns:pc="http://schemas.microsoft.com/office/powerpoint/2013/main/command">
+  <pc:docChgLst>
+    <pc:chgData name="Arthur Vinícius" userId="40a98aa4a61a07c7" providerId="LiveId" clId="{7BA829F3-2669-4C85-B774-D49C6FC7D81A}"/>
+    <pc:docChg chg="modSld">
+      <pc:chgData name="Arthur Vinícius" userId="40a98aa4a61a07c7" providerId="LiveId" clId="{7BA829F3-2669-4C85-B774-D49C6FC7D81A}" dt="2025-09-28T10:48:57.616" v="1" actId="20577"/>
+      <pc:docMkLst>
+        <pc:docMk/>
+      </pc:docMkLst>
+      <pc:sldChg chg="modSp mod">
+        <pc:chgData name="Arthur Vinícius" userId="40a98aa4a61a07c7" providerId="LiveId" clId="{7BA829F3-2669-4C85-B774-D49C6FC7D81A}" dt="2025-09-28T10:48:57.616" v="1" actId="20577"/>
+        <pc:sldMkLst>
+          <pc:docMk/>
+          <pc:sldMk cId="0" sldId="256"/>
+        </pc:sldMkLst>
+        <pc:spChg chg="mod">
+          <ac:chgData name="Arthur Vinícius" userId="40a98aa4a61a07c7" providerId="LiveId" clId="{7BA829F3-2669-4C85-B774-D49C6FC7D81A}" dt="2025-09-28T10:48:57.616" v="1" actId="20577"/>
+          <ac:spMkLst>
+            <pc:docMk/>
+            <pc:sldMk cId="0" sldId="256"/>
+            <ac:spMk id="85" creationId="{00000000-0000-0000-0000-000000000000}"/>
+          </ac:spMkLst>
+        </pc:spChg>
+      </pc:sldChg>
+    </pc:docChg>
+  </pc:docChgLst>
+</pc:chgInfo>
 </file>
 
 <file path=ppt/notesMasters/notesMaster1.xml><?xml version="1.0" encoding="utf-8"?>
@@ -829,8 +858,8 @@
         </p:nvSpPr>
         <p:spPr>
           <a:xfrm>
-            <a:off x="1143225" y="685800"/>
-            <a:ext cx="4572225" cy="3429000"/>
+            <a:off x="381000" y="685800"/>
+            <a:ext cx="6096000" cy="3429000"/>
           </a:xfrm>
           <a:custGeom>
             <a:avLst/>
@@ -16718,7 +16747,7 @@
               </a:rPr>
               <a:t>INICIAR QUIZ</a:t>
             </a:r>
-            <a:endParaRPr/>
+            <a:endParaRPr dirty="0"/>
           </a:p>
         </p:txBody>
       </p:sp>

--- a/QUIZ.pptx
+++ b/QUIZ.pptx
@@ -321,17 +321,25 @@
 </p:presentation>
 </file>
 
+<file path=ppt/revisionInfo.xml><?xml version="1.0" encoding="utf-8"?>
+<p1510:revInfo xmlns:a="http://schemas.openxmlformats.org/drawingml/2006/main" xmlns:r="http://schemas.openxmlformats.org/officeDocument/2006/relationships" xmlns:p1510="http://schemas.microsoft.com/office/powerpoint/2015/10/main">
+  <p1510:revLst>
+    <p1510:client id="{176D7DA6-4A37-4B19-A54A-E9AA7F105065}" v="2" dt="2025-09-28T18:46:32.897"/>
+  </p1510:revLst>
+</p1510:revInfo>
+</file>
+
 <file path=ppt/changesInfos/changesInfo1.xml><?xml version="1.0" encoding="utf-8"?>
 <pc:chgInfo xmlns:a="http://schemas.openxmlformats.org/drawingml/2006/main" xmlns:r="http://schemas.openxmlformats.org/officeDocument/2006/relationships" xmlns:ac="http://schemas.microsoft.com/office/drawing/2013/main/command" xmlns:pc="http://schemas.microsoft.com/office/powerpoint/2013/main/command">
   <pc:docChgLst>
     <pc:chgData name="Arthur Vinícius" userId="40a98aa4a61a07c7" providerId="LiveId" clId="{7BA829F3-2669-4C85-B774-D49C6FC7D81A}"/>
-    <pc:docChg chg="modSld">
-      <pc:chgData name="Arthur Vinícius" userId="40a98aa4a61a07c7" providerId="LiveId" clId="{7BA829F3-2669-4C85-B774-D49C6FC7D81A}" dt="2025-09-28T10:48:57.616" v="1" actId="20577"/>
+    <pc:docChg chg="modSld modMainMaster">
+      <pc:chgData name="Arthur Vinícius" userId="40a98aa4a61a07c7" providerId="LiveId" clId="{7BA829F3-2669-4C85-B774-D49C6FC7D81A}" dt="2025-09-28T18:46:32.897" v="3"/>
       <pc:docMkLst>
         <pc:docMk/>
       </pc:docMkLst>
-      <pc:sldChg chg="modSp mod">
-        <pc:chgData name="Arthur Vinícius" userId="40a98aa4a61a07c7" providerId="LiveId" clId="{7BA829F3-2669-4C85-B774-D49C6FC7D81A}" dt="2025-09-28T10:48:57.616" v="1" actId="20577"/>
+      <pc:sldChg chg="modSp mod modTransition">
+        <pc:chgData name="Arthur Vinícius" userId="40a98aa4a61a07c7" providerId="LiveId" clId="{7BA829F3-2669-4C85-B774-D49C6FC7D81A}" dt="2025-09-28T18:46:32.897" v="3"/>
         <pc:sldMkLst>
           <pc:docMk/>
           <pc:sldMk cId="0" sldId="256"/>
@@ -345,6 +353,458 @@
           </ac:spMkLst>
         </pc:spChg>
       </pc:sldChg>
+      <pc:sldChg chg="modTransition">
+        <pc:chgData name="Arthur Vinícius" userId="40a98aa4a61a07c7" providerId="LiveId" clId="{7BA829F3-2669-4C85-B774-D49C6FC7D81A}" dt="2025-09-28T18:46:32.897" v="3"/>
+        <pc:sldMkLst>
+          <pc:docMk/>
+          <pc:sldMk cId="0" sldId="257"/>
+        </pc:sldMkLst>
+      </pc:sldChg>
+      <pc:sldChg chg="modTransition">
+        <pc:chgData name="Arthur Vinícius" userId="40a98aa4a61a07c7" providerId="LiveId" clId="{7BA829F3-2669-4C85-B774-D49C6FC7D81A}" dt="2025-09-28T18:46:32.897" v="3"/>
+        <pc:sldMkLst>
+          <pc:docMk/>
+          <pc:sldMk cId="0" sldId="258"/>
+        </pc:sldMkLst>
+      </pc:sldChg>
+      <pc:sldChg chg="modTransition">
+        <pc:chgData name="Arthur Vinícius" userId="40a98aa4a61a07c7" providerId="LiveId" clId="{7BA829F3-2669-4C85-B774-D49C6FC7D81A}" dt="2025-09-28T18:46:32.897" v="3"/>
+        <pc:sldMkLst>
+          <pc:docMk/>
+          <pc:sldMk cId="0" sldId="259"/>
+        </pc:sldMkLst>
+      </pc:sldChg>
+      <pc:sldChg chg="modTransition">
+        <pc:chgData name="Arthur Vinícius" userId="40a98aa4a61a07c7" providerId="LiveId" clId="{7BA829F3-2669-4C85-B774-D49C6FC7D81A}" dt="2025-09-28T18:46:32.897" v="3"/>
+        <pc:sldMkLst>
+          <pc:docMk/>
+          <pc:sldMk cId="0" sldId="260"/>
+        </pc:sldMkLst>
+      </pc:sldChg>
+      <pc:sldChg chg="modTransition">
+        <pc:chgData name="Arthur Vinícius" userId="40a98aa4a61a07c7" providerId="LiveId" clId="{7BA829F3-2669-4C85-B774-D49C6FC7D81A}" dt="2025-09-28T18:46:32.897" v="3"/>
+        <pc:sldMkLst>
+          <pc:docMk/>
+          <pc:sldMk cId="0" sldId="261"/>
+        </pc:sldMkLst>
+      </pc:sldChg>
+      <pc:sldChg chg="modTransition">
+        <pc:chgData name="Arthur Vinícius" userId="40a98aa4a61a07c7" providerId="LiveId" clId="{7BA829F3-2669-4C85-B774-D49C6FC7D81A}" dt="2025-09-28T18:46:32.897" v="3"/>
+        <pc:sldMkLst>
+          <pc:docMk/>
+          <pc:sldMk cId="0" sldId="262"/>
+        </pc:sldMkLst>
+      </pc:sldChg>
+      <pc:sldChg chg="modTransition">
+        <pc:chgData name="Arthur Vinícius" userId="40a98aa4a61a07c7" providerId="LiveId" clId="{7BA829F3-2669-4C85-B774-D49C6FC7D81A}" dt="2025-09-28T18:46:32.897" v="3"/>
+        <pc:sldMkLst>
+          <pc:docMk/>
+          <pc:sldMk cId="0" sldId="263"/>
+        </pc:sldMkLst>
+      </pc:sldChg>
+      <pc:sldChg chg="modTransition">
+        <pc:chgData name="Arthur Vinícius" userId="40a98aa4a61a07c7" providerId="LiveId" clId="{7BA829F3-2669-4C85-B774-D49C6FC7D81A}" dt="2025-09-28T18:46:32.897" v="3"/>
+        <pc:sldMkLst>
+          <pc:docMk/>
+          <pc:sldMk cId="0" sldId="264"/>
+        </pc:sldMkLst>
+      </pc:sldChg>
+      <pc:sldChg chg="modTransition">
+        <pc:chgData name="Arthur Vinícius" userId="40a98aa4a61a07c7" providerId="LiveId" clId="{7BA829F3-2669-4C85-B774-D49C6FC7D81A}" dt="2025-09-28T18:46:32.897" v="3"/>
+        <pc:sldMkLst>
+          <pc:docMk/>
+          <pc:sldMk cId="0" sldId="265"/>
+        </pc:sldMkLst>
+      </pc:sldChg>
+      <pc:sldChg chg="modTransition">
+        <pc:chgData name="Arthur Vinícius" userId="40a98aa4a61a07c7" providerId="LiveId" clId="{7BA829F3-2669-4C85-B774-D49C6FC7D81A}" dt="2025-09-28T18:46:32.897" v="3"/>
+        <pc:sldMkLst>
+          <pc:docMk/>
+          <pc:sldMk cId="0" sldId="266"/>
+        </pc:sldMkLst>
+      </pc:sldChg>
+      <pc:sldChg chg="modTransition">
+        <pc:chgData name="Arthur Vinícius" userId="40a98aa4a61a07c7" providerId="LiveId" clId="{7BA829F3-2669-4C85-B774-D49C6FC7D81A}" dt="2025-09-28T18:46:32.897" v="3"/>
+        <pc:sldMkLst>
+          <pc:docMk/>
+          <pc:sldMk cId="0" sldId="267"/>
+        </pc:sldMkLst>
+      </pc:sldChg>
+      <pc:sldChg chg="modTransition">
+        <pc:chgData name="Arthur Vinícius" userId="40a98aa4a61a07c7" providerId="LiveId" clId="{7BA829F3-2669-4C85-B774-D49C6FC7D81A}" dt="2025-09-28T18:46:32.897" v="3"/>
+        <pc:sldMkLst>
+          <pc:docMk/>
+          <pc:sldMk cId="0" sldId="268"/>
+        </pc:sldMkLst>
+      </pc:sldChg>
+      <pc:sldChg chg="modTransition">
+        <pc:chgData name="Arthur Vinícius" userId="40a98aa4a61a07c7" providerId="LiveId" clId="{7BA829F3-2669-4C85-B774-D49C6FC7D81A}" dt="2025-09-28T18:46:32.897" v="3"/>
+        <pc:sldMkLst>
+          <pc:docMk/>
+          <pc:sldMk cId="0" sldId="269"/>
+        </pc:sldMkLst>
+      </pc:sldChg>
+      <pc:sldChg chg="modTransition">
+        <pc:chgData name="Arthur Vinícius" userId="40a98aa4a61a07c7" providerId="LiveId" clId="{7BA829F3-2669-4C85-B774-D49C6FC7D81A}" dt="2025-09-28T18:46:32.897" v="3"/>
+        <pc:sldMkLst>
+          <pc:docMk/>
+          <pc:sldMk cId="0" sldId="270"/>
+        </pc:sldMkLst>
+      </pc:sldChg>
+      <pc:sldChg chg="modTransition">
+        <pc:chgData name="Arthur Vinícius" userId="40a98aa4a61a07c7" providerId="LiveId" clId="{7BA829F3-2669-4C85-B774-D49C6FC7D81A}" dt="2025-09-28T18:46:32.897" v="3"/>
+        <pc:sldMkLst>
+          <pc:docMk/>
+          <pc:sldMk cId="0" sldId="271"/>
+        </pc:sldMkLst>
+      </pc:sldChg>
+      <pc:sldChg chg="modTransition">
+        <pc:chgData name="Arthur Vinícius" userId="40a98aa4a61a07c7" providerId="LiveId" clId="{7BA829F3-2669-4C85-B774-D49C6FC7D81A}" dt="2025-09-28T18:46:32.897" v="3"/>
+        <pc:sldMkLst>
+          <pc:docMk/>
+          <pc:sldMk cId="0" sldId="272"/>
+        </pc:sldMkLst>
+      </pc:sldChg>
+      <pc:sldChg chg="modTransition">
+        <pc:chgData name="Arthur Vinícius" userId="40a98aa4a61a07c7" providerId="LiveId" clId="{7BA829F3-2669-4C85-B774-D49C6FC7D81A}" dt="2025-09-28T18:46:32.897" v="3"/>
+        <pc:sldMkLst>
+          <pc:docMk/>
+          <pc:sldMk cId="0" sldId="273"/>
+        </pc:sldMkLst>
+      </pc:sldChg>
+      <pc:sldChg chg="modTransition">
+        <pc:chgData name="Arthur Vinícius" userId="40a98aa4a61a07c7" providerId="LiveId" clId="{7BA829F3-2669-4C85-B774-D49C6FC7D81A}" dt="2025-09-28T18:46:32.897" v="3"/>
+        <pc:sldMkLst>
+          <pc:docMk/>
+          <pc:sldMk cId="0" sldId="274"/>
+        </pc:sldMkLst>
+      </pc:sldChg>
+      <pc:sldChg chg="modTransition">
+        <pc:chgData name="Arthur Vinícius" userId="40a98aa4a61a07c7" providerId="LiveId" clId="{7BA829F3-2669-4C85-B774-D49C6FC7D81A}" dt="2025-09-28T18:46:32.897" v="3"/>
+        <pc:sldMkLst>
+          <pc:docMk/>
+          <pc:sldMk cId="0" sldId="275"/>
+        </pc:sldMkLst>
+      </pc:sldChg>
+      <pc:sldChg chg="modTransition">
+        <pc:chgData name="Arthur Vinícius" userId="40a98aa4a61a07c7" providerId="LiveId" clId="{7BA829F3-2669-4C85-B774-D49C6FC7D81A}" dt="2025-09-28T18:46:32.897" v="3"/>
+        <pc:sldMkLst>
+          <pc:docMk/>
+          <pc:sldMk cId="0" sldId="276"/>
+        </pc:sldMkLst>
+      </pc:sldChg>
+      <pc:sldChg chg="modTransition">
+        <pc:chgData name="Arthur Vinícius" userId="40a98aa4a61a07c7" providerId="LiveId" clId="{7BA829F3-2669-4C85-B774-D49C6FC7D81A}" dt="2025-09-28T18:46:32.897" v="3"/>
+        <pc:sldMkLst>
+          <pc:docMk/>
+          <pc:sldMk cId="0" sldId="277"/>
+        </pc:sldMkLst>
+      </pc:sldChg>
+      <pc:sldChg chg="modTransition">
+        <pc:chgData name="Arthur Vinícius" userId="40a98aa4a61a07c7" providerId="LiveId" clId="{7BA829F3-2669-4C85-B774-D49C6FC7D81A}" dt="2025-09-28T18:46:32.897" v="3"/>
+        <pc:sldMkLst>
+          <pc:docMk/>
+          <pc:sldMk cId="0" sldId="278"/>
+        </pc:sldMkLst>
+      </pc:sldChg>
+      <pc:sldChg chg="modTransition">
+        <pc:chgData name="Arthur Vinícius" userId="40a98aa4a61a07c7" providerId="LiveId" clId="{7BA829F3-2669-4C85-B774-D49C6FC7D81A}" dt="2025-09-28T18:46:32.897" v="3"/>
+        <pc:sldMkLst>
+          <pc:docMk/>
+          <pc:sldMk cId="0" sldId="279"/>
+        </pc:sldMkLst>
+      </pc:sldChg>
+      <pc:sldChg chg="modTransition">
+        <pc:chgData name="Arthur Vinícius" userId="40a98aa4a61a07c7" providerId="LiveId" clId="{7BA829F3-2669-4C85-B774-D49C6FC7D81A}" dt="2025-09-28T18:46:32.897" v="3"/>
+        <pc:sldMkLst>
+          <pc:docMk/>
+          <pc:sldMk cId="0" sldId="280"/>
+        </pc:sldMkLst>
+      </pc:sldChg>
+      <pc:sldChg chg="modTransition">
+        <pc:chgData name="Arthur Vinícius" userId="40a98aa4a61a07c7" providerId="LiveId" clId="{7BA829F3-2669-4C85-B774-D49C6FC7D81A}" dt="2025-09-28T18:46:32.897" v="3"/>
+        <pc:sldMkLst>
+          <pc:docMk/>
+          <pc:sldMk cId="0" sldId="281"/>
+        </pc:sldMkLst>
+      </pc:sldChg>
+      <pc:sldChg chg="modTransition">
+        <pc:chgData name="Arthur Vinícius" userId="40a98aa4a61a07c7" providerId="LiveId" clId="{7BA829F3-2669-4C85-B774-D49C6FC7D81A}" dt="2025-09-28T18:46:32.897" v="3"/>
+        <pc:sldMkLst>
+          <pc:docMk/>
+          <pc:sldMk cId="0" sldId="282"/>
+        </pc:sldMkLst>
+      </pc:sldChg>
+      <pc:sldChg chg="modTransition">
+        <pc:chgData name="Arthur Vinícius" userId="40a98aa4a61a07c7" providerId="LiveId" clId="{7BA829F3-2669-4C85-B774-D49C6FC7D81A}" dt="2025-09-28T18:46:32.897" v="3"/>
+        <pc:sldMkLst>
+          <pc:docMk/>
+          <pc:sldMk cId="0" sldId="283"/>
+        </pc:sldMkLst>
+      </pc:sldChg>
+      <pc:sldChg chg="modTransition">
+        <pc:chgData name="Arthur Vinícius" userId="40a98aa4a61a07c7" providerId="LiveId" clId="{7BA829F3-2669-4C85-B774-D49C6FC7D81A}" dt="2025-09-28T18:46:32.897" v="3"/>
+        <pc:sldMkLst>
+          <pc:docMk/>
+          <pc:sldMk cId="0" sldId="284"/>
+        </pc:sldMkLst>
+      </pc:sldChg>
+      <pc:sldChg chg="modTransition">
+        <pc:chgData name="Arthur Vinícius" userId="40a98aa4a61a07c7" providerId="LiveId" clId="{7BA829F3-2669-4C85-B774-D49C6FC7D81A}" dt="2025-09-28T18:46:32.897" v="3"/>
+        <pc:sldMkLst>
+          <pc:docMk/>
+          <pc:sldMk cId="0" sldId="285"/>
+        </pc:sldMkLst>
+      </pc:sldChg>
+      <pc:sldChg chg="modTransition">
+        <pc:chgData name="Arthur Vinícius" userId="40a98aa4a61a07c7" providerId="LiveId" clId="{7BA829F3-2669-4C85-B774-D49C6FC7D81A}" dt="2025-09-28T18:46:32.897" v="3"/>
+        <pc:sldMkLst>
+          <pc:docMk/>
+          <pc:sldMk cId="0" sldId="286"/>
+        </pc:sldMkLst>
+      </pc:sldChg>
+      <pc:sldChg chg="modTransition">
+        <pc:chgData name="Arthur Vinícius" userId="40a98aa4a61a07c7" providerId="LiveId" clId="{7BA829F3-2669-4C85-B774-D49C6FC7D81A}" dt="2025-09-28T18:46:32.897" v="3"/>
+        <pc:sldMkLst>
+          <pc:docMk/>
+          <pc:sldMk cId="0" sldId="287"/>
+        </pc:sldMkLst>
+      </pc:sldChg>
+      <pc:sldChg chg="modTransition">
+        <pc:chgData name="Arthur Vinícius" userId="40a98aa4a61a07c7" providerId="LiveId" clId="{7BA829F3-2669-4C85-B774-D49C6FC7D81A}" dt="2025-09-28T18:46:32.897" v="3"/>
+        <pc:sldMkLst>
+          <pc:docMk/>
+          <pc:sldMk cId="0" sldId="288"/>
+        </pc:sldMkLst>
+      </pc:sldChg>
+      <pc:sldChg chg="modTransition">
+        <pc:chgData name="Arthur Vinícius" userId="40a98aa4a61a07c7" providerId="LiveId" clId="{7BA829F3-2669-4C85-B774-D49C6FC7D81A}" dt="2025-09-28T18:46:32.897" v="3"/>
+        <pc:sldMkLst>
+          <pc:docMk/>
+          <pc:sldMk cId="0" sldId="289"/>
+        </pc:sldMkLst>
+      </pc:sldChg>
+      <pc:sldChg chg="modTransition">
+        <pc:chgData name="Arthur Vinícius" userId="40a98aa4a61a07c7" providerId="LiveId" clId="{7BA829F3-2669-4C85-B774-D49C6FC7D81A}" dt="2025-09-28T18:46:32.897" v="3"/>
+        <pc:sldMkLst>
+          <pc:docMk/>
+          <pc:sldMk cId="0" sldId="290"/>
+        </pc:sldMkLst>
+      </pc:sldChg>
+      <pc:sldChg chg="modTransition">
+        <pc:chgData name="Arthur Vinícius" userId="40a98aa4a61a07c7" providerId="LiveId" clId="{7BA829F3-2669-4C85-B774-D49C6FC7D81A}" dt="2025-09-28T18:46:32.897" v="3"/>
+        <pc:sldMkLst>
+          <pc:docMk/>
+          <pc:sldMk cId="0" sldId="291"/>
+        </pc:sldMkLst>
+      </pc:sldChg>
+      <pc:sldChg chg="modTransition">
+        <pc:chgData name="Arthur Vinícius" userId="40a98aa4a61a07c7" providerId="LiveId" clId="{7BA829F3-2669-4C85-B774-D49C6FC7D81A}" dt="2025-09-28T18:46:32.897" v="3"/>
+        <pc:sldMkLst>
+          <pc:docMk/>
+          <pc:sldMk cId="0" sldId="292"/>
+        </pc:sldMkLst>
+      </pc:sldChg>
+      <pc:sldChg chg="modTransition">
+        <pc:chgData name="Arthur Vinícius" userId="40a98aa4a61a07c7" providerId="LiveId" clId="{7BA829F3-2669-4C85-B774-D49C6FC7D81A}" dt="2025-09-28T18:46:32.897" v="3"/>
+        <pc:sldMkLst>
+          <pc:docMk/>
+          <pc:sldMk cId="0" sldId="293"/>
+        </pc:sldMkLst>
+      </pc:sldChg>
+      <pc:sldChg chg="modTransition">
+        <pc:chgData name="Arthur Vinícius" userId="40a98aa4a61a07c7" providerId="LiveId" clId="{7BA829F3-2669-4C85-B774-D49C6FC7D81A}" dt="2025-09-28T18:46:32.897" v="3"/>
+        <pc:sldMkLst>
+          <pc:docMk/>
+          <pc:sldMk cId="0" sldId="294"/>
+        </pc:sldMkLst>
+      </pc:sldChg>
+      <pc:sldChg chg="modTransition">
+        <pc:chgData name="Arthur Vinícius" userId="40a98aa4a61a07c7" providerId="LiveId" clId="{7BA829F3-2669-4C85-B774-D49C6FC7D81A}" dt="2025-09-28T18:46:32.897" v="3"/>
+        <pc:sldMkLst>
+          <pc:docMk/>
+          <pc:sldMk cId="0" sldId="295"/>
+        </pc:sldMkLst>
+      </pc:sldChg>
+      <pc:sldChg chg="modTransition">
+        <pc:chgData name="Arthur Vinícius" userId="40a98aa4a61a07c7" providerId="LiveId" clId="{7BA829F3-2669-4C85-B774-D49C6FC7D81A}" dt="2025-09-28T18:46:32.897" v="3"/>
+        <pc:sldMkLst>
+          <pc:docMk/>
+          <pc:sldMk cId="0" sldId="296"/>
+        </pc:sldMkLst>
+      </pc:sldChg>
+      <pc:sldChg chg="modTransition">
+        <pc:chgData name="Arthur Vinícius" userId="40a98aa4a61a07c7" providerId="LiveId" clId="{7BA829F3-2669-4C85-B774-D49C6FC7D81A}" dt="2025-09-28T18:46:32.897" v="3"/>
+        <pc:sldMkLst>
+          <pc:docMk/>
+          <pc:sldMk cId="0" sldId="297"/>
+        </pc:sldMkLst>
+      </pc:sldChg>
+      <pc:sldChg chg="modTransition">
+        <pc:chgData name="Arthur Vinícius" userId="40a98aa4a61a07c7" providerId="LiveId" clId="{7BA829F3-2669-4C85-B774-D49C6FC7D81A}" dt="2025-09-28T18:46:32.897" v="3"/>
+        <pc:sldMkLst>
+          <pc:docMk/>
+          <pc:sldMk cId="0" sldId="298"/>
+        </pc:sldMkLst>
+      </pc:sldChg>
+      <pc:sldChg chg="modTransition">
+        <pc:chgData name="Arthur Vinícius" userId="40a98aa4a61a07c7" providerId="LiveId" clId="{7BA829F3-2669-4C85-B774-D49C6FC7D81A}" dt="2025-09-28T18:46:32.897" v="3"/>
+        <pc:sldMkLst>
+          <pc:docMk/>
+          <pc:sldMk cId="0" sldId="299"/>
+        </pc:sldMkLst>
+      </pc:sldChg>
+      <pc:sldChg chg="modTransition">
+        <pc:chgData name="Arthur Vinícius" userId="40a98aa4a61a07c7" providerId="LiveId" clId="{7BA829F3-2669-4C85-B774-D49C6FC7D81A}" dt="2025-09-28T18:46:32.897" v="3"/>
+        <pc:sldMkLst>
+          <pc:docMk/>
+          <pc:sldMk cId="0" sldId="300"/>
+        </pc:sldMkLst>
+      </pc:sldChg>
+      <pc:sldChg chg="modTransition">
+        <pc:chgData name="Arthur Vinícius" userId="40a98aa4a61a07c7" providerId="LiveId" clId="{7BA829F3-2669-4C85-B774-D49C6FC7D81A}" dt="2025-09-28T18:46:32.897" v="3"/>
+        <pc:sldMkLst>
+          <pc:docMk/>
+          <pc:sldMk cId="0" sldId="301"/>
+        </pc:sldMkLst>
+      </pc:sldChg>
+      <pc:sldChg chg="modTransition">
+        <pc:chgData name="Arthur Vinícius" userId="40a98aa4a61a07c7" providerId="LiveId" clId="{7BA829F3-2669-4C85-B774-D49C6FC7D81A}" dt="2025-09-28T18:46:32.897" v="3"/>
+        <pc:sldMkLst>
+          <pc:docMk/>
+          <pc:sldMk cId="0" sldId="302"/>
+        </pc:sldMkLst>
+      </pc:sldChg>
+      <pc:sldChg chg="modTransition">
+        <pc:chgData name="Arthur Vinícius" userId="40a98aa4a61a07c7" providerId="LiveId" clId="{7BA829F3-2669-4C85-B774-D49C6FC7D81A}" dt="2025-09-28T18:46:32.897" v="3"/>
+        <pc:sldMkLst>
+          <pc:docMk/>
+          <pc:sldMk cId="0" sldId="303"/>
+        </pc:sldMkLst>
+      </pc:sldChg>
+      <pc:sldChg chg="modTransition">
+        <pc:chgData name="Arthur Vinícius" userId="40a98aa4a61a07c7" providerId="LiveId" clId="{7BA829F3-2669-4C85-B774-D49C6FC7D81A}" dt="2025-09-28T18:46:32.897" v="3"/>
+        <pc:sldMkLst>
+          <pc:docMk/>
+          <pc:sldMk cId="0" sldId="304"/>
+        </pc:sldMkLst>
+      </pc:sldChg>
+      <pc:sldChg chg="modTransition">
+        <pc:chgData name="Arthur Vinícius" userId="40a98aa4a61a07c7" providerId="LiveId" clId="{7BA829F3-2669-4C85-B774-D49C6FC7D81A}" dt="2025-09-28T18:46:32.897" v="3"/>
+        <pc:sldMkLst>
+          <pc:docMk/>
+          <pc:sldMk cId="0" sldId="305"/>
+        </pc:sldMkLst>
+      </pc:sldChg>
+      <pc:sldChg chg="modTransition">
+        <pc:chgData name="Arthur Vinícius" userId="40a98aa4a61a07c7" providerId="LiveId" clId="{7BA829F3-2669-4C85-B774-D49C6FC7D81A}" dt="2025-09-28T18:46:32.897" v="3"/>
+        <pc:sldMkLst>
+          <pc:docMk/>
+          <pc:sldMk cId="0" sldId="306"/>
+        </pc:sldMkLst>
+      </pc:sldChg>
+      <pc:sldChg chg="modTransition">
+        <pc:chgData name="Arthur Vinícius" userId="40a98aa4a61a07c7" providerId="LiveId" clId="{7BA829F3-2669-4C85-B774-D49C6FC7D81A}" dt="2025-09-28T18:46:32.897" v="3"/>
+        <pc:sldMkLst>
+          <pc:docMk/>
+          <pc:sldMk cId="0" sldId="307"/>
+        </pc:sldMkLst>
+      </pc:sldChg>
+      <pc:sldMasterChg chg="modTransition modSldLayout">
+        <pc:chgData name="Arthur Vinícius" userId="40a98aa4a61a07c7" providerId="LiveId" clId="{7BA829F3-2669-4C85-B774-D49C6FC7D81A}" dt="2025-09-28T18:46:32.897" v="3"/>
+        <pc:sldMasterMkLst>
+          <pc:docMk/>
+          <pc:sldMasterMk cId="0" sldId="2147483659"/>
+        </pc:sldMasterMkLst>
+        <pc:sldLayoutChg chg="modTransition">
+          <pc:chgData name="Arthur Vinícius" userId="40a98aa4a61a07c7" providerId="LiveId" clId="{7BA829F3-2669-4C85-B774-D49C6FC7D81A}" dt="2025-09-28T18:46:32.897" v="3"/>
+          <pc:sldLayoutMkLst>
+            <pc:docMk/>
+            <pc:sldMasterMk cId="0" sldId="2147483659"/>
+            <pc:sldLayoutMk cId="0" sldId="2147483648"/>
+          </pc:sldLayoutMkLst>
+        </pc:sldLayoutChg>
+        <pc:sldLayoutChg chg="modTransition">
+          <pc:chgData name="Arthur Vinícius" userId="40a98aa4a61a07c7" providerId="LiveId" clId="{7BA829F3-2669-4C85-B774-D49C6FC7D81A}" dt="2025-09-28T18:46:32.897" v="3"/>
+          <pc:sldLayoutMkLst>
+            <pc:docMk/>
+            <pc:sldMasterMk cId="0" sldId="2147483659"/>
+            <pc:sldLayoutMk cId="0" sldId="2147483649"/>
+          </pc:sldLayoutMkLst>
+        </pc:sldLayoutChg>
+        <pc:sldLayoutChg chg="modTransition">
+          <pc:chgData name="Arthur Vinícius" userId="40a98aa4a61a07c7" providerId="LiveId" clId="{7BA829F3-2669-4C85-B774-D49C6FC7D81A}" dt="2025-09-28T18:46:32.897" v="3"/>
+          <pc:sldLayoutMkLst>
+            <pc:docMk/>
+            <pc:sldMasterMk cId="0" sldId="2147483659"/>
+            <pc:sldLayoutMk cId="0" sldId="2147483650"/>
+          </pc:sldLayoutMkLst>
+        </pc:sldLayoutChg>
+        <pc:sldLayoutChg chg="modTransition">
+          <pc:chgData name="Arthur Vinícius" userId="40a98aa4a61a07c7" providerId="LiveId" clId="{7BA829F3-2669-4C85-B774-D49C6FC7D81A}" dt="2025-09-28T18:46:32.897" v="3"/>
+          <pc:sldLayoutMkLst>
+            <pc:docMk/>
+            <pc:sldMasterMk cId="0" sldId="2147483659"/>
+            <pc:sldLayoutMk cId="0" sldId="2147483651"/>
+          </pc:sldLayoutMkLst>
+        </pc:sldLayoutChg>
+        <pc:sldLayoutChg chg="modTransition">
+          <pc:chgData name="Arthur Vinícius" userId="40a98aa4a61a07c7" providerId="LiveId" clId="{7BA829F3-2669-4C85-B774-D49C6FC7D81A}" dt="2025-09-28T18:46:32.897" v="3"/>
+          <pc:sldLayoutMkLst>
+            <pc:docMk/>
+            <pc:sldMasterMk cId="0" sldId="2147483659"/>
+            <pc:sldLayoutMk cId="0" sldId="2147483652"/>
+          </pc:sldLayoutMkLst>
+        </pc:sldLayoutChg>
+        <pc:sldLayoutChg chg="modTransition">
+          <pc:chgData name="Arthur Vinícius" userId="40a98aa4a61a07c7" providerId="LiveId" clId="{7BA829F3-2669-4C85-B774-D49C6FC7D81A}" dt="2025-09-28T18:46:32.897" v="3"/>
+          <pc:sldLayoutMkLst>
+            <pc:docMk/>
+            <pc:sldMasterMk cId="0" sldId="2147483659"/>
+            <pc:sldLayoutMk cId="0" sldId="2147483653"/>
+          </pc:sldLayoutMkLst>
+        </pc:sldLayoutChg>
+        <pc:sldLayoutChg chg="modTransition">
+          <pc:chgData name="Arthur Vinícius" userId="40a98aa4a61a07c7" providerId="LiveId" clId="{7BA829F3-2669-4C85-B774-D49C6FC7D81A}" dt="2025-09-28T18:46:32.897" v="3"/>
+          <pc:sldLayoutMkLst>
+            <pc:docMk/>
+            <pc:sldMasterMk cId="0" sldId="2147483659"/>
+            <pc:sldLayoutMk cId="0" sldId="2147483654"/>
+          </pc:sldLayoutMkLst>
+        </pc:sldLayoutChg>
+        <pc:sldLayoutChg chg="modTransition">
+          <pc:chgData name="Arthur Vinícius" userId="40a98aa4a61a07c7" providerId="LiveId" clId="{7BA829F3-2669-4C85-B774-D49C6FC7D81A}" dt="2025-09-28T18:46:32.897" v="3"/>
+          <pc:sldLayoutMkLst>
+            <pc:docMk/>
+            <pc:sldMasterMk cId="0" sldId="2147483659"/>
+            <pc:sldLayoutMk cId="0" sldId="2147483655"/>
+          </pc:sldLayoutMkLst>
+        </pc:sldLayoutChg>
+        <pc:sldLayoutChg chg="modTransition">
+          <pc:chgData name="Arthur Vinícius" userId="40a98aa4a61a07c7" providerId="LiveId" clId="{7BA829F3-2669-4C85-B774-D49C6FC7D81A}" dt="2025-09-28T18:46:32.897" v="3"/>
+          <pc:sldLayoutMkLst>
+            <pc:docMk/>
+            <pc:sldMasterMk cId="0" sldId="2147483659"/>
+            <pc:sldLayoutMk cId="0" sldId="2147483656"/>
+          </pc:sldLayoutMkLst>
+        </pc:sldLayoutChg>
+        <pc:sldLayoutChg chg="modTransition">
+          <pc:chgData name="Arthur Vinícius" userId="40a98aa4a61a07c7" providerId="LiveId" clId="{7BA829F3-2669-4C85-B774-D49C6FC7D81A}" dt="2025-09-28T18:46:32.897" v="3"/>
+          <pc:sldLayoutMkLst>
+            <pc:docMk/>
+            <pc:sldMasterMk cId="0" sldId="2147483659"/>
+            <pc:sldLayoutMk cId="0" sldId="2147483657"/>
+          </pc:sldLayoutMkLst>
+        </pc:sldLayoutChg>
+        <pc:sldLayoutChg chg="modTransition">
+          <pc:chgData name="Arthur Vinícius" userId="40a98aa4a61a07c7" providerId="LiveId" clId="{7BA829F3-2669-4C85-B774-D49C6FC7D81A}" dt="2025-09-28T18:46:32.897" v="3"/>
+          <pc:sldLayoutMkLst>
+            <pc:docMk/>
+            <pc:sldMasterMk cId="0" sldId="2147483659"/>
+            <pc:sldLayoutMk cId="0" sldId="2147483658"/>
+          </pc:sldLayoutMkLst>
+        </pc:sldLayoutChg>
+      </pc:sldMasterChg>
     </pc:docChg>
   </pc:docChgLst>
 </pc:chgInfo>
@@ -6924,18 +7384,6 @@
   <p:clrMapOvr>
     <a:masterClrMapping/>
   </p:clrMapOvr>
-  <mc:AlternateContent xmlns:mc="http://schemas.openxmlformats.org/markup-compatibility/2006" xmlns:p159="http://schemas.microsoft.com/office/powerpoint/2015/09/main">
-    <mc:Choice Requires="p159">
-      <p:transition xmlns:p14="http://schemas.microsoft.com/office/powerpoint/2010/main" spd="slow" p14:dur="2000">
-        <p159:morph option="byObject"/>
-      </p:transition>
-    </mc:Choice>
-    <mc:Fallback xmlns="">
-      <p:transition spd="slow">
-        <p:fade/>
-      </p:transition>
-    </mc:Fallback>
-  </mc:AlternateContent>
 </p:sldLayout>
 </file>
 
@@ -7663,18 +8111,6 @@
   <p:clrMapOvr>
     <a:masterClrMapping/>
   </p:clrMapOvr>
-  <mc:AlternateContent xmlns:mc="http://schemas.openxmlformats.org/markup-compatibility/2006" xmlns:p159="http://schemas.microsoft.com/office/powerpoint/2015/09/main">
-    <mc:Choice Requires="p159">
-      <p:transition xmlns:p14="http://schemas.microsoft.com/office/powerpoint/2010/main" spd="slow" p14:dur="2000">
-        <p159:morph option="byObject"/>
-      </p:transition>
-    </mc:Choice>
-    <mc:Fallback xmlns="">
-      <p:transition spd="slow">
-        <p:fade/>
-      </p:transition>
-    </mc:Fallback>
-  </mc:AlternateContent>
 </p:sldLayout>
 </file>
 
@@ -8402,18 +8838,6 @@
   <p:clrMapOvr>
     <a:masterClrMapping/>
   </p:clrMapOvr>
-  <mc:AlternateContent xmlns:mc="http://schemas.openxmlformats.org/markup-compatibility/2006" xmlns:p159="http://schemas.microsoft.com/office/powerpoint/2015/09/main">
-    <mc:Choice Requires="p159">
-      <p:transition xmlns:p14="http://schemas.microsoft.com/office/powerpoint/2010/main" spd="slow" p14:dur="2000">
-        <p159:morph option="byObject"/>
-      </p:transition>
-    </mc:Choice>
-    <mc:Fallback xmlns="">
-      <p:transition spd="slow">
-        <p:fade/>
-      </p:transition>
-    </mc:Fallback>
-  </mc:AlternateContent>
 </p:sldLayout>
 </file>
 
@@ -9702,18 +10126,6 @@
   <p:clrMapOvr>
     <a:masterClrMapping/>
   </p:clrMapOvr>
-  <mc:AlternateContent xmlns:mc="http://schemas.openxmlformats.org/markup-compatibility/2006" xmlns:p159="http://schemas.microsoft.com/office/powerpoint/2015/09/main">
-    <mc:Choice Requires="p159">
-      <p:transition xmlns:p14="http://schemas.microsoft.com/office/powerpoint/2010/main" spd="slow" p14:dur="2000">
-        <p159:morph option="byObject"/>
-      </p:transition>
-    </mc:Choice>
-    <mc:Fallback xmlns="">
-      <p:transition spd="slow">
-        <p:fade/>
-      </p:transition>
-    </mc:Fallback>
-  </mc:AlternateContent>
 </p:sldLayout>
 </file>
 
@@ -10441,18 +10853,6 @@
   <p:clrMapOvr>
     <a:masterClrMapping/>
   </p:clrMapOvr>
-  <mc:AlternateContent xmlns:mc="http://schemas.openxmlformats.org/markup-compatibility/2006" xmlns:p159="http://schemas.microsoft.com/office/powerpoint/2015/09/main">
-    <mc:Choice Requires="p159">
-      <p:transition xmlns:p14="http://schemas.microsoft.com/office/powerpoint/2010/main" spd="slow" p14:dur="2000">
-        <p159:morph option="byObject"/>
-      </p:transition>
-    </mc:Choice>
-    <mc:Fallback xmlns="">
-      <p:transition spd="slow">
-        <p:fade/>
-      </p:transition>
-    </mc:Fallback>
-  </mc:AlternateContent>
 </p:sldLayout>
 </file>
 
@@ -11217,18 +11617,6 @@
   <p:clrMapOvr>
     <a:masterClrMapping/>
   </p:clrMapOvr>
-  <mc:AlternateContent xmlns:mc="http://schemas.openxmlformats.org/markup-compatibility/2006" xmlns:p159="http://schemas.microsoft.com/office/powerpoint/2015/09/main">
-    <mc:Choice Requires="p159">
-      <p:transition xmlns:p14="http://schemas.microsoft.com/office/powerpoint/2010/main" spd="slow" p14:dur="2000">
-        <p159:morph option="byObject"/>
-      </p:transition>
-    </mc:Choice>
-    <mc:Fallback xmlns="">
-      <p:transition spd="slow">
-        <p:fade/>
-      </p:transition>
-    </mc:Fallback>
-  </mc:AlternateContent>
 </p:sldLayout>
 </file>
 
@@ -12143,18 +12531,6 @@
   <p:clrMapOvr>
     <a:masterClrMapping/>
   </p:clrMapOvr>
-  <mc:AlternateContent xmlns:mc="http://schemas.openxmlformats.org/markup-compatibility/2006" xmlns:p159="http://schemas.microsoft.com/office/powerpoint/2015/09/main">
-    <mc:Choice Requires="p159">
-      <p:transition xmlns:p14="http://schemas.microsoft.com/office/powerpoint/2010/main" spd="slow" p14:dur="2000">
-        <p159:morph option="byObject"/>
-      </p:transition>
-    </mc:Choice>
-    <mc:Fallback xmlns="">
-      <p:transition spd="slow">
-        <p:fade/>
-      </p:transition>
-    </mc:Fallback>
-  </mc:AlternateContent>
 </p:sldLayout>
 </file>
 
@@ -12695,18 +13071,6 @@
   <p:clrMapOvr>
     <a:masterClrMapping/>
   </p:clrMapOvr>
-  <mc:AlternateContent xmlns:mc="http://schemas.openxmlformats.org/markup-compatibility/2006" xmlns:p159="http://schemas.microsoft.com/office/powerpoint/2015/09/main">
-    <mc:Choice Requires="p159">
-      <p:transition xmlns:p14="http://schemas.microsoft.com/office/powerpoint/2010/main" spd="slow" p14:dur="2000">
-        <p159:morph option="byObject"/>
-      </p:transition>
-    </mc:Choice>
-    <mc:Fallback xmlns="">
-      <p:transition spd="slow">
-        <p:fade/>
-      </p:transition>
-    </mc:Fallback>
-  </mc:AlternateContent>
 </p:sldLayout>
 </file>
 
@@ -13108,18 +13472,6 @@
   <p:clrMapOvr>
     <a:masterClrMapping/>
   </p:clrMapOvr>
-  <mc:AlternateContent xmlns:mc="http://schemas.openxmlformats.org/markup-compatibility/2006" xmlns:p159="http://schemas.microsoft.com/office/powerpoint/2015/09/main">
-    <mc:Choice Requires="p159">
-      <p:transition xmlns:p14="http://schemas.microsoft.com/office/powerpoint/2010/main" spd="slow" p14:dur="2000">
-        <p159:morph option="byObject"/>
-      </p:transition>
-    </mc:Choice>
-    <mc:Fallback xmlns="">
-      <p:transition spd="slow">
-        <p:fade/>
-      </p:transition>
-    </mc:Fallback>
-  </mc:AlternateContent>
 </p:sldLayout>
 </file>
 
@@ -14035,18 +14387,6 @@
   <p:clrMapOvr>
     <a:masterClrMapping/>
   </p:clrMapOvr>
-  <mc:AlternateContent xmlns:mc="http://schemas.openxmlformats.org/markup-compatibility/2006" xmlns:p159="http://schemas.microsoft.com/office/powerpoint/2015/09/main">
-    <mc:Choice Requires="p159">
-      <p:transition xmlns:p14="http://schemas.microsoft.com/office/powerpoint/2010/main" spd="slow" p14:dur="2000">
-        <p159:morph option="byObject"/>
-      </p:transition>
-    </mc:Choice>
-    <mc:Fallback xmlns="">
-      <p:transition spd="slow">
-        <p:fade/>
-      </p:transition>
-    </mc:Fallback>
-  </mc:AlternateContent>
 </p:sldLayout>
 </file>
 
@@ -14799,18 +15139,6 @@
   <p:clrMapOvr>
     <a:masterClrMapping/>
   </p:clrMapOvr>
-  <mc:AlternateContent xmlns:mc="http://schemas.openxmlformats.org/markup-compatibility/2006" xmlns:p159="http://schemas.microsoft.com/office/powerpoint/2015/09/main">
-    <mc:Choice Requires="p159">
-      <p:transition xmlns:p14="http://schemas.microsoft.com/office/powerpoint/2010/main" spd="slow" p14:dur="2000">
-        <p159:morph option="byObject"/>
-      </p:transition>
-    </mc:Choice>
-    <mc:Fallback xmlns="">
-      <p:transition spd="slow">
-        <p:fade/>
-      </p:transition>
-    </mc:Fallback>
-  </mc:AlternateContent>
 </p:sldLayout>
 </file>
 
@@ -15883,18 +16211,6 @@
     <p:sldLayoutId id="2147483657" r:id="rId10"/>
     <p:sldLayoutId id="2147483658" r:id="rId11"/>
   </p:sldLayoutIdLst>
-  <mc:AlternateContent xmlns:mc="http://schemas.openxmlformats.org/markup-compatibility/2006" xmlns:p159="http://schemas.microsoft.com/office/powerpoint/2015/09/main">
-    <mc:Choice Requires="p159">
-      <p:transition xmlns:p14="http://schemas.microsoft.com/office/powerpoint/2010/main" spd="slow" p14:dur="2000">
-        <p159:morph option="byObject"/>
-      </p:transition>
-    </mc:Choice>
-    <mc:Fallback xmlns="">
-      <p:transition spd="slow">
-        <p:fade/>
-      </p:transition>
-    </mc:Fallback>
-  </mc:AlternateContent>
   <p:hf sldNum="0" hdr="0" ftr="0" dt="0"/>
   <p:txStyles>
     <p:titleStyle>
@@ -16878,18 +17194,6 @@
   <p:clrMapOvr>
     <a:masterClrMapping/>
   </p:clrMapOvr>
-  <mc:AlternateContent xmlns:mc="http://schemas.openxmlformats.org/markup-compatibility/2006" xmlns:p159="http://schemas.microsoft.com/office/powerpoint/2015/09/main">
-    <mc:Choice Requires="p159">
-      <p:transition xmlns:p14="http://schemas.microsoft.com/office/powerpoint/2010/main" spd="slow" p14:dur="2000">
-        <p159:morph option="byObject"/>
-      </p:transition>
-    </mc:Choice>
-    <mc:Fallback xmlns="">
-      <p:transition spd="slow">
-        <p:fade/>
-      </p:transition>
-    </mc:Fallback>
-  </mc:AlternateContent>
 </p:sld>
 </file>
 
@@ -17037,18 +17341,6 @@
   <p:clrMapOvr>
     <a:masterClrMapping/>
   </p:clrMapOvr>
-  <mc:AlternateContent xmlns:mc="http://schemas.openxmlformats.org/markup-compatibility/2006" xmlns:p159="http://schemas.microsoft.com/office/powerpoint/2015/09/main">
-    <mc:Choice Requires="p159">
-      <p:transition xmlns:p14="http://schemas.microsoft.com/office/powerpoint/2010/main" spd="slow" p14:dur="2000">
-        <p159:morph option="byObject"/>
-      </p:transition>
-    </mc:Choice>
-    <mc:Fallback xmlns="">
-      <p:transition spd="slow">
-        <p:fade/>
-      </p:transition>
-    </mc:Fallback>
-  </mc:AlternateContent>
 </p:sld>
 </file>
 
@@ -17196,18 +17488,6 @@
   <p:clrMapOvr>
     <a:masterClrMapping/>
   </p:clrMapOvr>
-  <mc:AlternateContent xmlns:mc="http://schemas.openxmlformats.org/markup-compatibility/2006" xmlns:p159="http://schemas.microsoft.com/office/powerpoint/2015/09/main">
-    <mc:Choice Requires="p159">
-      <p:transition xmlns:p14="http://schemas.microsoft.com/office/powerpoint/2010/main" spd="slow" p14:dur="2000">
-        <p159:morph option="byObject"/>
-      </p:transition>
-    </mc:Choice>
-    <mc:Fallback xmlns="">
-      <p:transition spd="slow">
-        <p:fade/>
-      </p:transition>
-    </mc:Fallback>
-  </mc:AlternateContent>
 </p:sld>
 </file>
 
@@ -17571,18 +17851,6 @@
   <p:clrMapOvr>
     <a:masterClrMapping/>
   </p:clrMapOvr>
-  <mc:AlternateContent xmlns:mc="http://schemas.openxmlformats.org/markup-compatibility/2006" xmlns:p159="http://schemas.microsoft.com/office/powerpoint/2015/09/main">
-    <mc:Choice Requires="p159">
-      <p:transition xmlns:p14="http://schemas.microsoft.com/office/powerpoint/2010/main" spd="slow" p14:dur="2000">
-        <p159:morph option="byObject"/>
-      </p:transition>
-    </mc:Choice>
-    <mc:Fallback xmlns="">
-      <p:transition spd="slow">
-        <p:fade/>
-      </p:transition>
-    </mc:Fallback>
-  </mc:AlternateContent>
 </p:sld>
 </file>
 
@@ -17730,18 +17998,6 @@
   <p:clrMapOvr>
     <a:masterClrMapping/>
   </p:clrMapOvr>
-  <mc:AlternateContent xmlns:mc="http://schemas.openxmlformats.org/markup-compatibility/2006" xmlns:p14="http://schemas.microsoft.com/office/powerpoint/2010/main">
-    <mc:Choice Requires="p14">
-      <p:transition spd="slow" p14:dur="2000">
-        <p14:ferris dir="l"/>
-      </p:transition>
-    </mc:Choice>
-    <mc:Fallback xmlns="">
-      <p:transition spd="slow">
-        <p:fade/>
-      </p:transition>
-    </mc:Fallback>
-  </mc:AlternateContent>
 </p:sld>
 </file>
 
@@ -17889,18 +18145,6 @@
   <p:clrMapOvr>
     <a:masterClrMapping/>
   </p:clrMapOvr>
-  <mc:AlternateContent xmlns:mc="http://schemas.openxmlformats.org/markup-compatibility/2006" xmlns:p159="http://schemas.microsoft.com/office/powerpoint/2015/09/main">
-    <mc:Choice Requires="p159">
-      <p:transition xmlns:p14="http://schemas.microsoft.com/office/powerpoint/2010/main" spd="slow" p14:dur="2000">
-        <p159:morph option="byObject"/>
-      </p:transition>
-    </mc:Choice>
-    <mc:Fallback xmlns="">
-      <p:transition spd="slow">
-        <p:fade/>
-      </p:transition>
-    </mc:Fallback>
-  </mc:AlternateContent>
 </p:sld>
 </file>
 
@@ -18264,18 +18508,6 @@
   <p:clrMapOvr>
     <a:masterClrMapping/>
   </p:clrMapOvr>
-  <mc:AlternateContent xmlns:mc="http://schemas.openxmlformats.org/markup-compatibility/2006" xmlns:p159="http://schemas.microsoft.com/office/powerpoint/2015/09/main">
-    <mc:Choice Requires="p159">
-      <p:transition xmlns:p14="http://schemas.microsoft.com/office/powerpoint/2010/main" spd="slow" p14:dur="2000">
-        <p159:morph option="byObject"/>
-      </p:transition>
-    </mc:Choice>
-    <mc:Fallback xmlns="">
-      <p:transition spd="slow">
-        <p:fade/>
-      </p:transition>
-    </mc:Fallback>
-  </mc:AlternateContent>
 </p:sld>
 </file>
 
@@ -18495,18 +18727,6 @@
   <p:clrMapOvr>
     <a:masterClrMapping/>
   </p:clrMapOvr>
-  <mc:AlternateContent xmlns:mc="http://schemas.openxmlformats.org/markup-compatibility/2006" xmlns:p159="http://schemas.microsoft.com/office/powerpoint/2015/09/main">
-    <mc:Choice Requires="p159">
-      <p:transition xmlns:p14="http://schemas.microsoft.com/office/powerpoint/2010/main" spd="slow" p14:dur="2000">
-        <p159:morph option="byObject"/>
-      </p:transition>
-    </mc:Choice>
-    <mc:Fallback xmlns="">
-      <p:transition spd="slow">
-        <p:fade/>
-      </p:transition>
-    </mc:Fallback>
-  </mc:AlternateContent>
 </p:sld>
 </file>
 
@@ -18654,18 +18874,6 @@
   <p:clrMapOvr>
     <a:masterClrMapping/>
   </p:clrMapOvr>
-  <mc:AlternateContent xmlns:mc="http://schemas.openxmlformats.org/markup-compatibility/2006" xmlns:p159="http://schemas.microsoft.com/office/powerpoint/2015/09/main">
-    <mc:Choice Requires="p159">
-      <p:transition xmlns:p14="http://schemas.microsoft.com/office/powerpoint/2010/main" spd="slow" p14:dur="2000">
-        <p159:morph option="byObject"/>
-      </p:transition>
-    </mc:Choice>
-    <mc:Fallback xmlns="">
-      <p:transition spd="slow">
-        <p:fade/>
-      </p:transition>
-    </mc:Fallback>
-  </mc:AlternateContent>
 </p:sld>
 </file>
 
@@ -19029,18 +19237,6 @@
   <p:clrMapOvr>
     <a:masterClrMapping/>
   </p:clrMapOvr>
-  <mc:AlternateContent xmlns:mc="http://schemas.openxmlformats.org/markup-compatibility/2006" xmlns:p159="http://schemas.microsoft.com/office/powerpoint/2015/09/main">
-    <mc:Choice Requires="p159">
-      <p:transition xmlns:p14="http://schemas.microsoft.com/office/powerpoint/2010/main" spd="slow" p14:dur="2000">
-        <p159:morph option="byObject"/>
-      </p:transition>
-    </mc:Choice>
-    <mc:Fallback xmlns="">
-      <p:transition spd="slow">
-        <p:fade/>
-      </p:transition>
-    </mc:Fallback>
-  </mc:AlternateContent>
 </p:sld>
 </file>
 
@@ -19188,18 +19384,6 @@
   <p:clrMapOvr>
     <a:masterClrMapping/>
   </p:clrMapOvr>
-  <mc:AlternateContent xmlns:mc="http://schemas.openxmlformats.org/markup-compatibility/2006" xmlns:p159="http://schemas.microsoft.com/office/powerpoint/2015/09/main">
-    <mc:Choice Requires="p159">
-      <p:transition xmlns:p14="http://schemas.microsoft.com/office/powerpoint/2010/main" spd="slow" p14:dur="2000">
-        <p159:morph option="byObject"/>
-      </p:transition>
-    </mc:Choice>
-    <mc:Fallback xmlns="">
-      <p:transition spd="slow">
-        <p:fade/>
-      </p:transition>
-    </mc:Fallback>
-  </mc:AlternateContent>
 </p:sld>
 </file>
 
@@ -19491,18 +19675,6 @@
   <p:clrMapOvr>
     <a:masterClrMapping/>
   </p:clrMapOvr>
-  <mc:AlternateContent xmlns:mc="http://schemas.openxmlformats.org/markup-compatibility/2006" xmlns:p159="http://schemas.microsoft.com/office/powerpoint/2015/09/main">
-    <mc:Choice Requires="p159">
-      <p:transition xmlns:p14="http://schemas.microsoft.com/office/powerpoint/2010/main" spd="slow" p14:dur="2000">
-        <p159:morph option="byObject"/>
-      </p:transition>
-    </mc:Choice>
-    <mc:Fallback xmlns="">
-      <p:transition spd="slow">
-        <p:fade/>
-      </p:transition>
-    </mc:Fallback>
-  </mc:AlternateContent>
 </p:sld>
 </file>
 
@@ -19650,18 +19822,6 @@
   <p:clrMapOvr>
     <a:masterClrMapping/>
   </p:clrMapOvr>
-  <mc:AlternateContent xmlns:mc="http://schemas.openxmlformats.org/markup-compatibility/2006" xmlns:p159="http://schemas.microsoft.com/office/powerpoint/2015/09/main">
-    <mc:Choice Requires="p159">
-      <p:transition xmlns:p14="http://schemas.microsoft.com/office/powerpoint/2010/main" spd="slow" p14:dur="2000">
-        <p159:morph option="byObject"/>
-      </p:transition>
-    </mc:Choice>
-    <mc:Fallback xmlns="">
-      <p:transition spd="slow">
-        <p:fade/>
-      </p:transition>
-    </mc:Fallback>
-  </mc:AlternateContent>
 </p:sld>
 </file>
 
@@ -20025,18 +20185,6 @@
   <p:clrMapOvr>
     <a:masterClrMapping/>
   </p:clrMapOvr>
-  <mc:AlternateContent xmlns:mc="http://schemas.openxmlformats.org/markup-compatibility/2006" xmlns:p159="http://schemas.microsoft.com/office/powerpoint/2015/09/main">
-    <mc:Choice Requires="p159">
-      <p:transition xmlns:p14="http://schemas.microsoft.com/office/powerpoint/2010/main" spd="slow" p14:dur="2000">
-        <p159:morph option="byObject"/>
-      </p:transition>
-    </mc:Choice>
-    <mc:Fallback xmlns="">
-      <p:transition spd="slow">
-        <p:fade/>
-      </p:transition>
-    </mc:Fallback>
-  </mc:AlternateContent>
 </p:sld>
 </file>
 
@@ -20184,18 +20332,6 @@
   <p:clrMapOvr>
     <a:masterClrMapping/>
   </p:clrMapOvr>
-  <mc:AlternateContent xmlns:mc="http://schemas.openxmlformats.org/markup-compatibility/2006" xmlns:p159="http://schemas.microsoft.com/office/powerpoint/2015/09/main">
-    <mc:Choice Requires="p159">
-      <p:transition xmlns:p14="http://schemas.microsoft.com/office/powerpoint/2010/main" spd="slow" p14:dur="2000">
-        <p159:morph option="byObject"/>
-      </p:transition>
-    </mc:Choice>
-    <mc:Fallback xmlns="">
-      <p:transition spd="slow">
-        <p:fade/>
-      </p:transition>
-    </mc:Fallback>
-  </mc:AlternateContent>
 </p:sld>
 </file>
 
@@ -20343,18 +20479,6 @@
   <p:clrMapOvr>
     <a:masterClrMapping/>
   </p:clrMapOvr>
-  <mc:AlternateContent xmlns:mc="http://schemas.openxmlformats.org/markup-compatibility/2006" xmlns:p159="http://schemas.microsoft.com/office/powerpoint/2015/09/main">
-    <mc:Choice Requires="p159">
-      <p:transition xmlns:p14="http://schemas.microsoft.com/office/powerpoint/2010/main" spd="slow" p14:dur="2000">
-        <p159:morph option="byObject"/>
-      </p:transition>
-    </mc:Choice>
-    <mc:Fallback xmlns="">
-      <p:transition spd="slow">
-        <p:fade/>
-      </p:transition>
-    </mc:Fallback>
-  </mc:AlternateContent>
 </p:sld>
 </file>
 
@@ -20718,18 +20842,6 @@
   <p:clrMapOvr>
     <a:masterClrMapping/>
   </p:clrMapOvr>
-  <mc:AlternateContent xmlns:mc="http://schemas.openxmlformats.org/markup-compatibility/2006" xmlns:p159="http://schemas.microsoft.com/office/powerpoint/2015/09/main">
-    <mc:Choice Requires="p159">
-      <p:transition xmlns:p14="http://schemas.microsoft.com/office/powerpoint/2010/main" spd="slow" p14:dur="2000">
-        <p159:morph option="byObject"/>
-      </p:transition>
-    </mc:Choice>
-    <mc:Fallback xmlns="">
-      <p:transition spd="slow">
-        <p:fade/>
-      </p:transition>
-    </mc:Fallback>
-  </mc:AlternateContent>
 </p:sld>
 </file>
 
@@ -20877,18 +20989,6 @@
   <p:clrMapOvr>
     <a:masterClrMapping/>
   </p:clrMapOvr>
-  <mc:AlternateContent xmlns:mc="http://schemas.openxmlformats.org/markup-compatibility/2006" xmlns:p159="http://schemas.microsoft.com/office/powerpoint/2015/09/main">
-    <mc:Choice Requires="p159">
-      <p:transition xmlns:p14="http://schemas.microsoft.com/office/powerpoint/2010/main" spd="slow" p14:dur="2000">
-        <p159:morph option="byObject"/>
-      </p:transition>
-    </mc:Choice>
-    <mc:Fallback xmlns="">
-      <p:transition spd="slow">
-        <p:fade/>
-      </p:transition>
-    </mc:Fallback>
-  </mc:AlternateContent>
 </p:sld>
 </file>
 
@@ -21036,18 +21136,6 @@
   <p:clrMapOvr>
     <a:masterClrMapping/>
   </p:clrMapOvr>
-  <mc:AlternateContent xmlns:mc="http://schemas.openxmlformats.org/markup-compatibility/2006" xmlns:p159="http://schemas.microsoft.com/office/powerpoint/2015/09/main">
-    <mc:Choice Requires="p159">
-      <p:transition xmlns:p14="http://schemas.microsoft.com/office/powerpoint/2010/main" spd="slow" p14:dur="2000">
-        <p159:morph option="byObject"/>
-      </p:transition>
-    </mc:Choice>
-    <mc:Fallback xmlns="">
-      <p:transition spd="slow">
-        <p:fade/>
-      </p:transition>
-    </mc:Fallback>
-  </mc:AlternateContent>
 </p:sld>
 </file>
 
@@ -21503,18 +21591,6 @@
   <p:clrMapOvr>
     <a:masterClrMapping/>
   </p:clrMapOvr>
-  <mc:AlternateContent xmlns:mc="http://schemas.openxmlformats.org/markup-compatibility/2006" xmlns:p159="http://schemas.microsoft.com/office/powerpoint/2015/09/main">
-    <mc:Choice Requires="p159">
-      <p:transition xmlns:p14="http://schemas.microsoft.com/office/powerpoint/2010/main" spd="slow" p14:dur="2000">
-        <p159:morph option="byObject"/>
-      </p:transition>
-    </mc:Choice>
-    <mc:Fallback xmlns="">
-      <p:transition spd="slow">
-        <p:fade/>
-      </p:transition>
-    </mc:Fallback>
-  </mc:AlternateContent>
 </p:sld>
 </file>
 
@@ -21662,18 +21738,6 @@
   <p:clrMapOvr>
     <a:masterClrMapping/>
   </p:clrMapOvr>
-  <mc:AlternateContent xmlns:mc="http://schemas.openxmlformats.org/markup-compatibility/2006" xmlns:p159="http://schemas.microsoft.com/office/powerpoint/2015/09/main">
-    <mc:Choice Requires="p159">
-      <p:transition xmlns:p14="http://schemas.microsoft.com/office/powerpoint/2010/main" spd="slow" p14:dur="2000">
-        <p159:morph option="byObject"/>
-      </p:transition>
-    </mc:Choice>
-    <mc:Fallback xmlns="">
-      <p:transition spd="slow">
-        <p:fade/>
-      </p:transition>
-    </mc:Fallback>
-  </mc:AlternateContent>
 </p:sld>
 </file>
 
@@ -21821,18 +21885,6 @@
   <p:clrMapOvr>
     <a:masterClrMapping/>
   </p:clrMapOvr>
-  <mc:AlternateContent xmlns:mc="http://schemas.openxmlformats.org/markup-compatibility/2006" xmlns:p159="http://schemas.microsoft.com/office/powerpoint/2015/09/main">
-    <mc:Choice Requires="p159">
-      <p:transition xmlns:p14="http://schemas.microsoft.com/office/powerpoint/2010/main" spd="slow" p14:dur="2000">
-        <p159:morph option="byObject"/>
-      </p:transition>
-    </mc:Choice>
-    <mc:Fallback xmlns="">
-      <p:transition spd="slow">
-        <p:fade/>
-      </p:transition>
-    </mc:Fallback>
-  </mc:AlternateContent>
 </p:sld>
 </file>
 
@@ -22196,18 +22248,6 @@
   <p:clrMapOvr>
     <a:masterClrMapping/>
   </p:clrMapOvr>
-  <mc:AlternateContent xmlns:mc="http://schemas.openxmlformats.org/markup-compatibility/2006" xmlns:p159="http://schemas.microsoft.com/office/powerpoint/2015/09/main">
-    <mc:Choice Requires="p159">
-      <p:transition xmlns:p14="http://schemas.microsoft.com/office/powerpoint/2010/main" spd="slow" p14:dur="2000">
-        <p159:morph option="byObject"/>
-      </p:transition>
-    </mc:Choice>
-    <mc:Fallback xmlns="">
-      <p:transition spd="slow">
-        <p:fade/>
-      </p:transition>
-    </mc:Fallback>
-  </mc:AlternateContent>
 </p:sld>
 </file>
 
@@ -22663,18 +22703,6 @@
   <p:clrMapOvr>
     <a:masterClrMapping/>
   </p:clrMapOvr>
-  <mc:AlternateContent xmlns:mc="http://schemas.openxmlformats.org/markup-compatibility/2006" xmlns:p159="http://schemas.microsoft.com/office/powerpoint/2015/09/main">
-    <mc:Choice Requires="p159">
-      <p:transition xmlns:p14="http://schemas.microsoft.com/office/powerpoint/2010/main" spd="slow" p14:dur="2000">
-        <p159:morph option="byObject"/>
-      </p:transition>
-    </mc:Choice>
-    <mc:Fallback xmlns="">
-      <p:transition spd="slow">
-        <p:fade/>
-      </p:transition>
-    </mc:Fallback>
-  </mc:AlternateContent>
 </p:sld>
 </file>
 
@@ -22894,18 +22922,6 @@
   <p:clrMapOvr>
     <a:masterClrMapping/>
   </p:clrMapOvr>
-  <mc:AlternateContent xmlns:mc="http://schemas.openxmlformats.org/markup-compatibility/2006" xmlns:p159="http://schemas.microsoft.com/office/powerpoint/2015/09/main">
-    <mc:Choice Requires="p159">
-      <p:transition xmlns:p14="http://schemas.microsoft.com/office/powerpoint/2010/main" spd="slow" p14:dur="2000">
-        <p159:morph option="byObject"/>
-      </p:transition>
-    </mc:Choice>
-    <mc:Fallback xmlns="">
-      <p:transition spd="slow">
-        <p:fade/>
-      </p:transition>
-    </mc:Fallback>
-  </mc:AlternateContent>
 </p:sld>
 </file>
 
@@ -23053,18 +23069,6 @@
   <p:clrMapOvr>
     <a:masterClrMapping/>
   </p:clrMapOvr>
-  <mc:AlternateContent xmlns:mc="http://schemas.openxmlformats.org/markup-compatibility/2006" xmlns:p159="http://schemas.microsoft.com/office/powerpoint/2015/09/main">
-    <mc:Choice Requires="p159">
-      <p:transition xmlns:p14="http://schemas.microsoft.com/office/powerpoint/2010/main" spd="slow" p14:dur="2000">
-        <p159:morph option="byObject"/>
-      </p:transition>
-    </mc:Choice>
-    <mc:Fallback xmlns="">
-      <p:transition spd="slow">
-        <p:fade/>
-      </p:transition>
-    </mc:Fallback>
-  </mc:AlternateContent>
 </p:sld>
 </file>
 
@@ -23428,18 +23432,6 @@
   <p:clrMapOvr>
     <a:masterClrMapping/>
   </p:clrMapOvr>
-  <mc:AlternateContent xmlns:mc="http://schemas.openxmlformats.org/markup-compatibility/2006" xmlns:p159="http://schemas.microsoft.com/office/powerpoint/2015/09/main">
-    <mc:Choice Requires="p159">
-      <p:transition xmlns:p14="http://schemas.microsoft.com/office/powerpoint/2010/main" spd="slow" p14:dur="2000">
-        <p159:morph option="byObject"/>
-      </p:transition>
-    </mc:Choice>
-    <mc:Fallback xmlns="">
-      <p:transition spd="slow">
-        <p:fade/>
-      </p:transition>
-    </mc:Fallback>
-  </mc:AlternateContent>
 </p:sld>
 </file>
 
@@ -23587,18 +23579,6 @@
   <p:clrMapOvr>
     <a:masterClrMapping/>
   </p:clrMapOvr>
-  <mc:AlternateContent xmlns:mc="http://schemas.openxmlformats.org/markup-compatibility/2006" xmlns:p159="http://schemas.microsoft.com/office/powerpoint/2015/09/main">
-    <mc:Choice Requires="p159">
-      <p:transition xmlns:p14="http://schemas.microsoft.com/office/powerpoint/2010/main" spd="slow" p14:dur="2000">
-        <p159:morph option="byObject"/>
-      </p:transition>
-    </mc:Choice>
-    <mc:Fallback xmlns="">
-      <p:transition spd="slow">
-        <p:fade/>
-      </p:transition>
-    </mc:Fallback>
-  </mc:AlternateContent>
 </p:sld>
 </file>
 
@@ -23746,18 +23726,6 @@
   <p:clrMapOvr>
     <a:masterClrMapping/>
   </p:clrMapOvr>
-  <mc:AlternateContent xmlns:mc="http://schemas.openxmlformats.org/markup-compatibility/2006" xmlns:p159="http://schemas.microsoft.com/office/powerpoint/2015/09/main">
-    <mc:Choice Requires="p159">
-      <p:transition xmlns:p14="http://schemas.microsoft.com/office/powerpoint/2010/main" spd="slow" p14:dur="2000">
-        <p159:morph option="byObject"/>
-      </p:transition>
-    </mc:Choice>
-    <mc:Fallback xmlns="">
-      <p:transition spd="slow">
-        <p:fade/>
-      </p:transition>
-    </mc:Fallback>
-  </mc:AlternateContent>
 </p:sld>
 </file>
 
@@ -24121,18 +24089,6 @@
   <p:clrMapOvr>
     <a:masterClrMapping/>
   </p:clrMapOvr>
-  <mc:AlternateContent xmlns:mc="http://schemas.openxmlformats.org/markup-compatibility/2006" xmlns:p159="http://schemas.microsoft.com/office/powerpoint/2015/09/main">
-    <mc:Choice Requires="p159">
-      <p:transition xmlns:p14="http://schemas.microsoft.com/office/powerpoint/2010/main" spd="slow" p14:dur="2000">
-        <p159:morph option="byObject"/>
-      </p:transition>
-    </mc:Choice>
-    <mc:Fallback xmlns="">
-      <p:transition spd="slow">
-        <p:fade/>
-      </p:transition>
-    </mc:Fallback>
-  </mc:AlternateContent>
 </p:sld>
 </file>
 
@@ -24280,18 +24236,6 @@
   <p:clrMapOvr>
     <a:masterClrMapping/>
   </p:clrMapOvr>
-  <mc:AlternateContent xmlns:mc="http://schemas.openxmlformats.org/markup-compatibility/2006" xmlns:p159="http://schemas.microsoft.com/office/powerpoint/2015/09/main">
-    <mc:Choice Requires="p159">
-      <p:transition xmlns:p14="http://schemas.microsoft.com/office/powerpoint/2010/main" spd="slow" p14:dur="2000">
-        <p159:morph option="byObject"/>
-      </p:transition>
-    </mc:Choice>
-    <mc:Fallback xmlns="">
-      <p:transition spd="slow">
-        <p:fade/>
-      </p:transition>
-    </mc:Fallback>
-  </mc:AlternateContent>
 </p:sld>
 </file>
 
@@ -24439,18 +24383,6 @@
   <p:clrMapOvr>
     <a:masterClrMapping/>
   </p:clrMapOvr>
-  <mc:AlternateContent xmlns:mc="http://schemas.openxmlformats.org/markup-compatibility/2006" xmlns:p159="http://schemas.microsoft.com/office/powerpoint/2015/09/main">
-    <mc:Choice Requires="p159">
-      <p:transition xmlns:p14="http://schemas.microsoft.com/office/powerpoint/2010/main" spd="slow" p14:dur="2000">
-        <p159:morph option="byObject"/>
-      </p:transition>
-    </mc:Choice>
-    <mc:Fallback xmlns="">
-      <p:transition spd="slow">
-        <p:fade/>
-      </p:transition>
-    </mc:Fallback>
-  </mc:AlternateContent>
 </p:sld>
 </file>
 
@@ -24814,18 +24746,6 @@
   <p:clrMapOvr>
     <a:masterClrMapping/>
   </p:clrMapOvr>
-  <mc:AlternateContent xmlns:mc="http://schemas.openxmlformats.org/markup-compatibility/2006" xmlns:p159="http://schemas.microsoft.com/office/powerpoint/2015/09/main">
-    <mc:Choice Requires="p159">
-      <p:transition xmlns:p14="http://schemas.microsoft.com/office/powerpoint/2010/main" spd="slow" p14:dur="2000">
-        <p159:morph option="byObject"/>
-      </p:transition>
-    </mc:Choice>
-    <mc:Fallback xmlns="">
-      <p:transition spd="slow">
-        <p:fade/>
-      </p:transition>
-    </mc:Fallback>
-  </mc:AlternateContent>
 </p:sld>
 </file>
 
@@ -24973,18 +24893,6 @@
   <p:clrMapOvr>
     <a:masterClrMapping/>
   </p:clrMapOvr>
-  <mc:AlternateContent xmlns:mc="http://schemas.openxmlformats.org/markup-compatibility/2006" xmlns:p159="http://schemas.microsoft.com/office/powerpoint/2015/09/main">
-    <mc:Choice Requires="p159">
-      <p:transition xmlns:p14="http://schemas.microsoft.com/office/powerpoint/2010/main" spd="slow" p14:dur="2000">
-        <p159:morph option="byObject"/>
-      </p:transition>
-    </mc:Choice>
-    <mc:Fallback xmlns="">
-      <p:transition spd="slow">
-        <p:fade/>
-      </p:transition>
-    </mc:Fallback>
-  </mc:AlternateContent>
 </p:sld>
 </file>
 
@@ -25132,18 +25040,6 @@
   <p:clrMapOvr>
     <a:masterClrMapping/>
   </p:clrMapOvr>
-  <mc:AlternateContent xmlns:mc="http://schemas.openxmlformats.org/markup-compatibility/2006" xmlns:p159="http://schemas.microsoft.com/office/powerpoint/2015/09/main">
-    <mc:Choice Requires="p159">
-      <p:transition xmlns:p14="http://schemas.microsoft.com/office/powerpoint/2010/main" spd="slow" p14:dur="2000">
-        <p159:morph option="byObject"/>
-      </p:transition>
-    </mc:Choice>
-    <mc:Fallback xmlns="">
-      <p:transition spd="slow">
-        <p:fade/>
-      </p:transition>
-    </mc:Fallback>
-  </mc:AlternateContent>
 </p:sld>
 </file>
 
@@ -25291,18 +25187,6 @@
   <p:clrMapOvr>
     <a:masterClrMapping/>
   </p:clrMapOvr>
-  <mc:AlternateContent xmlns:mc="http://schemas.openxmlformats.org/markup-compatibility/2006" xmlns:p159="http://schemas.microsoft.com/office/powerpoint/2015/09/main">
-    <mc:Choice Requires="p159">
-      <p:transition xmlns:p14="http://schemas.microsoft.com/office/powerpoint/2010/main" spd="slow" p14:dur="2000">
-        <p159:morph option="byObject"/>
-      </p:transition>
-    </mc:Choice>
-    <mc:Fallback xmlns="">
-      <p:transition spd="slow">
-        <p:fade/>
-      </p:transition>
-    </mc:Fallback>
-  </mc:AlternateContent>
 </p:sld>
 </file>
 
@@ -25666,18 +25550,6 @@
   <p:clrMapOvr>
     <a:masterClrMapping/>
   </p:clrMapOvr>
-  <mc:AlternateContent xmlns:mc="http://schemas.openxmlformats.org/markup-compatibility/2006" xmlns:p159="http://schemas.microsoft.com/office/powerpoint/2015/09/main">
-    <mc:Choice Requires="p159">
-      <p:transition xmlns:p14="http://schemas.microsoft.com/office/powerpoint/2010/main" spd="slow" p14:dur="2000">
-        <p159:morph option="byObject"/>
-      </p:transition>
-    </mc:Choice>
-    <mc:Fallback xmlns="">
-      <p:transition spd="slow">
-        <p:fade/>
-      </p:transition>
-    </mc:Fallback>
-  </mc:AlternateContent>
 </p:sld>
 </file>
 
@@ -25825,18 +25697,6 @@
   <p:clrMapOvr>
     <a:masterClrMapping/>
   </p:clrMapOvr>
-  <mc:AlternateContent xmlns:mc="http://schemas.openxmlformats.org/markup-compatibility/2006" xmlns:p159="http://schemas.microsoft.com/office/powerpoint/2015/09/main">
-    <mc:Choice Requires="p159">
-      <p:transition xmlns:p14="http://schemas.microsoft.com/office/powerpoint/2010/main" spd="slow" p14:dur="2000">
-        <p159:morph option="byObject"/>
-      </p:transition>
-    </mc:Choice>
-    <mc:Fallback xmlns="">
-      <p:transition spd="slow">
-        <p:fade/>
-      </p:transition>
-    </mc:Fallback>
-  </mc:AlternateContent>
 </p:sld>
 </file>
 
@@ -25984,18 +25844,6 @@
   <p:clrMapOvr>
     <a:masterClrMapping/>
   </p:clrMapOvr>
-  <mc:AlternateContent xmlns:mc="http://schemas.openxmlformats.org/markup-compatibility/2006" xmlns:p159="http://schemas.microsoft.com/office/powerpoint/2015/09/main">
-    <mc:Choice Requires="p159">
-      <p:transition xmlns:p14="http://schemas.microsoft.com/office/powerpoint/2010/main" spd="slow" p14:dur="2000">
-        <p159:morph option="byObject"/>
-      </p:transition>
-    </mc:Choice>
-    <mc:Fallback xmlns="">
-      <p:transition spd="slow">
-        <p:fade/>
-      </p:transition>
-    </mc:Fallback>
-  </mc:AlternateContent>
 </p:sld>
 </file>
 
@@ -26359,18 +26207,6 @@
   <p:clrMapOvr>
     <a:masterClrMapping/>
   </p:clrMapOvr>
-  <mc:AlternateContent xmlns:mc="http://schemas.openxmlformats.org/markup-compatibility/2006" xmlns:p159="http://schemas.microsoft.com/office/powerpoint/2015/09/main">
-    <mc:Choice Requires="p159">
-      <p:transition xmlns:p14="http://schemas.microsoft.com/office/powerpoint/2010/main" spd="slow" p14:dur="2000">
-        <p159:morph option="byObject"/>
-      </p:transition>
-    </mc:Choice>
-    <mc:Fallback xmlns="">
-      <p:transition spd="slow">
-        <p:fade/>
-      </p:transition>
-    </mc:Fallback>
-  </mc:AlternateContent>
 </p:sld>
 </file>
 
@@ -26590,18 +26426,6 @@
   <p:clrMapOvr>
     <a:masterClrMapping/>
   </p:clrMapOvr>
-  <mc:AlternateContent xmlns:mc="http://schemas.openxmlformats.org/markup-compatibility/2006" xmlns:p159="http://schemas.microsoft.com/office/powerpoint/2015/09/main">
-    <mc:Choice Requires="p159">
-      <p:transition xmlns:p14="http://schemas.microsoft.com/office/powerpoint/2010/main" spd="slow" p14:dur="2000">
-        <p159:morph option="byObject"/>
-      </p:transition>
-    </mc:Choice>
-    <mc:Fallback xmlns="">
-      <p:transition spd="slow">
-        <p:fade/>
-      </p:transition>
-    </mc:Fallback>
-  </mc:AlternateContent>
 </p:sld>
 </file>
 
@@ -26749,18 +26573,6 @@
   <p:clrMapOvr>
     <a:masterClrMapping/>
   </p:clrMapOvr>
-  <mc:AlternateContent xmlns:mc="http://schemas.openxmlformats.org/markup-compatibility/2006" xmlns:p159="http://schemas.microsoft.com/office/powerpoint/2015/09/main">
-    <mc:Choice Requires="p159">
-      <p:transition xmlns:p14="http://schemas.microsoft.com/office/powerpoint/2010/main" spd="slow" p14:dur="2000">
-        <p159:morph option="byObject"/>
-      </p:transition>
-    </mc:Choice>
-    <mc:Fallback xmlns="">
-      <p:transition spd="slow">
-        <p:fade/>
-      </p:transition>
-    </mc:Fallback>
-  </mc:AlternateContent>
 </p:sld>
 </file>
 
@@ -27191,18 +27003,6 @@
   <p:clrMapOvr>
     <a:masterClrMapping/>
   </p:clrMapOvr>
-  <mc:AlternateContent xmlns:mc="http://schemas.openxmlformats.org/markup-compatibility/2006" xmlns:p159="http://schemas.microsoft.com/office/powerpoint/2015/09/main">
-    <mc:Choice Requires="p159">
-      <p:transition xmlns:p14="http://schemas.microsoft.com/office/powerpoint/2010/main" spd="slow" p14:dur="2000">
-        <p159:morph option="byObject"/>
-      </p:transition>
-    </mc:Choice>
-    <mc:Fallback xmlns="">
-      <p:transition spd="slow">
-        <p:fade/>
-      </p:transition>
-    </mc:Fallback>
-  </mc:AlternateContent>
 </p:sld>
 </file>
 
@@ -27560,18 +27360,6 @@
   <p:clrMapOvr>
     <a:masterClrMapping/>
   </p:clrMapOvr>
-  <mc:AlternateContent xmlns:mc="http://schemas.openxmlformats.org/markup-compatibility/2006" xmlns:p159="http://schemas.microsoft.com/office/powerpoint/2015/09/main">
-    <mc:Choice Requires="p159">
-      <p:transition xmlns:p14="http://schemas.microsoft.com/office/powerpoint/2010/main" spd="slow" p14:dur="2000">
-        <p159:morph option="byObject"/>
-      </p:transition>
-    </mc:Choice>
-    <mc:Fallback xmlns="">
-      <p:transition spd="slow">
-        <p:fade/>
-      </p:transition>
-    </mc:Fallback>
-  </mc:AlternateContent>
 </p:sld>
 </file>
 
@@ -27719,18 +27507,6 @@
   <p:clrMapOvr>
     <a:masterClrMapping/>
   </p:clrMapOvr>
-  <mc:AlternateContent xmlns:mc="http://schemas.openxmlformats.org/markup-compatibility/2006" xmlns:p159="http://schemas.microsoft.com/office/powerpoint/2015/09/main">
-    <mc:Choice Requires="p159">
-      <p:transition xmlns:p14="http://schemas.microsoft.com/office/powerpoint/2010/main" spd="slow" p14:dur="2000">
-        <p159:morph option="byObject"/>
-      </p:transition>
-    </mc:Choice>
-    <mc:Fallback xmlns="">
-      <p:transition spd="slow">
-        <p:fade/>
-      </p:transition>
-    </mc:Fallback>
-  </mc:AlternateContent>
 </p:sld>
 </file>
 
@@ -28059,18 +27835,6 @@
   <p:clrMapOvr>
     <a:masterClrMapping/>
   </p:clrMapOvr>
-  <mc:AlternateContent xmlns:mc="http://schemas.openxmlformats.org/markup-compatibility/2006" xmlns:p159="http://schemas.microsoft.com/office/powerpoint/2015/09/main">
-    <mc:Choice Requires="p159">
-      <p:transition xmlns:p14="http://schemas.microsoft.com/office/powerpoint/2010/main" spd="slow" p14:dur="2000">
-        <p159:morph option="byObject"/>
-      </p:transition>
-    </mc:Choice>
-    <mc:Fallback xmlns="">
-      <p:transition spd="slow">
-        <p:fade/>
-      </p:transition>
-    </mc:Fallback>
-  </mc:AlternateContent>
 </p:sld>
 </file>
 
@@ -28360,18 +28124,6 @@
   <p:clrMapOvr>
     <a:masterClrMapping/>
   </p:clrMapOvr>
-  <mc:AlternateContent xmlns:mc="http://schemas.openxmlformats.org/markup-compatibility/2006" xmlns:p159="http://schemas.microsoft.com/office/powerpoint/2015/09/main">
-    <mc:Choice Requires="p159">
-      <p:transition xmlns:p14="http://schemas.microsoft.com/office/powerpoint/2010/main" spd="slow" p14:dur="2000">
-        <p159:morph option="byObject"/>
-      </p:transition>
-    </mc:Choice>
-    <mc:Fallback xmlns="">
-      <p:transition spd="slow">
-        <p:fade/>
-      </p:transition>
-    </mc:Fallback>
-  </mc:AlternateContent>
 </p:sld>
 </file>
 
@@ -28661,18 +28413,6 @@
   <p:clrMapOvr>
     <a:masterClrMapping/>
   </p:clrMapOvr>
-  <mc:AlternateContent xmlns:mc="http://schemas.openxmlformats.org/markup-compatibility/2006" xmlns:p159="http://schemas.microsoft.com/office/powerpoint/2015/09/main">
-    <mc:Choice Requires="p159">
-      <p:transition xmlns:p14="http://schemas.microsoft.com/office/powerpoint/2010/main" spd="slow" p14:dur="2000">
-        <p159:morph option="byObject"/>
-      </p:transition>
-    </mc:Choice>
-    <mc:Fallback xmlns="">
-      <p:transition spd="slow">
-        <p:fade/>
-      </p:transition>
-    </mc:Fallback>
-  </mc:AlternateContent>
 </p:sld>
 </file>
 
@@ -29036,18 +28776,6 @@
   <p:clrMapOvr>
     <a:masterClrMapping/>
   </p:clrMapOvr>
-  <mc:AlternateContent xmlns:mc="http://schemas.openxmlformats.org/markup-compatibility/2006" xmlns:p159="http://schemas.microsoft.com/office/powerpoint/2015/09/main">
-    <mc:Choice Requires="p159">
-      <p:transition xmlns:p14="http://schemas.microsoft.com/office/powerpoint/2010/main" spd="slow" p14:dur="2000">
-        <p159:morph option="byObject"/>
-      </p:transition>
-    </mc:Choice>
-    <mc:Fallback xmlns="">
-      <p:transition spd="slow">
-        <p:fade/>
-      </p:transition>
-    </mc:Fallback>
-  </mc:AlternateContent>
 </p:sld>
 </file>
 
@@ -29195,18 +28923,6 @@
   <p:clrMapOvr>
     <a:masterClrMapping/>
   </p:clrMapOvr>
-  <mc:AlternateContent xmlns:mc="http://schemas.openxmlformats.org/markup-compatibility/2006" xmlns:p159="http://schemas.microsoft.com/office/powerpoint/2015/09/main">
-    <mc:Choice Requires="p159">
-      <p:transition xmlns:p14="http://schemas.microsoft.com/office/powerpoint/2010/main" spd="slow" p14:dur="2000">
-        <p159:morph option="byObject"/>
-      </p:transition>
-    </mc:Choice>
-    <mc:Fallback xmlns="">
-      <p:transition spd="slow">
-        <p:fade/>
-      </p:transition>
-    </mc:Fallback>
-  </mc:AlternateContent>
 </p:sld>
 </file>
 
@@ -29354,18 +29070,6 @@
   <p:clrMapOvr>
     <a:masterClrMapping/>
   </p:clrMapOvr>
-  <mc:AlternateContent xmlns:mc="http://schemas.openxmlformats.org/markup-compatibility/2006" xmlns:p159="http://schemas.microsoft.com/office/powerpoint/2015/09/main">
-    <mc:Choice Requires="p159">
-      <p:transition xmlns:p14="http://schemas.microsoft.com/office/powerpoint/2010/main" spd="slow" p14:dur="2000">
-        <p159:morph option="byObject"/>
-      </p:transition>
-    </mc:Choice>
-    <mc:Fallback xmlns="">
-      <p:transition spd="slow">
-        <p:fade/>
-      </p:transition>
-    </mc:Fallback>
-  </mc:AlternateContent>
 </p:sld>
 </file>
 
@@ -29798,18 +29502,6 @@
   <p:clrMapOvr>
     <a:masterClrMapping/>
   </p:clrMapOvr>
-  <mc:AlternateContent xmlns:mc="http://schemas.openxmlformats.org/markup-compatibility/2006" xmlns:p159="http://schemas.microsoft.com/office/powerpoint/2015/09/main">
-    <mc:Choice Requires="p159">
-      <p:transition xmlns:p14="http://schemas.microsoft.com/office/powerpoint/2010/main" spd="slow" p14:dur="2000">
-        <p159:morph option="byObject"/>
-      </p:transition>
-    </mc:Choice>
-    <mc:Fallback xmlns="">
-      <p:transition spd="slow">
-        <p:fade/>
-      </p:transition>
-    </mc:Fallback>
-  </mc:AlternateContent>
 </p:sld>
 </file>
 
